--- a/Buger.pptx
+++ b/Buger.pptx
@@ -243,7 +243,7 @@
           <a:p>
             <a:fld id="{CFA0AC28-FFB2-4D4C-BE03-53ACE32C2AA6}" type="datetimeFigureOut">
               <a:rPr lang="en-US" smtClean="0"/>
-              <a:t>12/10/2017</a:t>
+              <a:t>12/11/2017</a:t>
             </a:fld>
             <a:endParaRPr lang="en-US"/>
           </a:p>
@@ -409,7 +409,7 @@
             <a:fld id="{A5F8A1E3-577B-4491-B617-9908AB49E41D}" type="datetimeFigureOut">
               <a:rPr lang="en-GB" smtClean="0"/>
               <a:pPr/>
-              <a:t>10/12/2017</a:t>
+              <a:t>11/12/2017</a:t>
             </a:fld>
             <a:endParaRPr lang="en-GB"/>
           </a:p>
@@ -727,87 +727,6 @@
           <a:bodyPr/>
           <a:lstStyle/>
           <a:p>
-            <a:r>
-              <a:rPr lang="en-US" baseline="0" dirty="0"/>
-              <a:t>Amdocs, a global company with r</a:t>
-            </a:r>
-            <a:r>
-              <a:rPr lang="en-US" dirty="0"/>
-              <a:t>evenue</a:t>
-            </a:r>
-            <a:r>
-              <a:rPr lang="en-US" baseline="0" dirty="0"/>
-              <a:t> of US$3.6b in fiscal year 2015, has more than 24,000 professionals serving more than 300 customers in over 90 countries. Our comprehensive understanding of our customers’ business and the relationships we develop enable us to offer greater value by providing them with best practices, insights and solutions gathered from across the communications industry and different geographies. Evidence to the value we provide to our customers is in the industry-leading project success rate and the awards and recognition received from leading analysts, industry leaders and associations across the globe.</a:t>
-            </a:r>
-          </a:p>
-          <a:p>
-            <a:endParaRPr lang="en-US" baseline="0" dirty="0"/>
-          </a:p>
-          <a:p>
-            <a:r>
-              <a:rPr lang="en-US" dirty="0"/>
-              <a:t>Demonstrated Leaderships</a:t>
-            </a:r>
-          </a:p>
-          <a:p>
-            <a:pPr marL="171450" indent="-171450">
-              <a:buFont typeface="Arial" panose="020B0604020202020204" pitchFamily="34" charset="0"/>
-              <a:buChar char="•"/>
-            </a:pPr>
-            <a:r>
-              <a:rPr lang="en-US" baseline="0" dirty="0"/>
-              <a:t>Amdocs was recognized by Leading Lights for its innovative service-centric approach to commercializing virtualized and hybrid services, ensuring a seamless, agile experience that hides complexity from the end customers</a:t>
-            </a:r>
-          </a:p>
-          <a:p>
-            <a:pPr marL="171450" indent="-171450">
-              <a:buFont typeface="Arial" panose="020B0604020202020204" pitchFamily="34" charset="0"/>
-              <a:buChar char="•"/>
-            </a:pPr>
-            <a:r>
-              <a:rPr lang="en-US" baseline="0" dirty="0"/>
-              <a:t>Amdocs ranked in top 3 IT services for telecoms by Ovum</a:t>
-            </a:r>
-          </a:p>
-          <a:p>
-            <a:pPr marL="171450" indent="-171450">
-              <a:buFont typeface="Arial" panose="020B0604020202020204" pitchFamily="34" charset="0"/>
-              <a:buChar char="•"/>
-            </a:pPr>
-            <a:r>
-              <a:rPr lang="en-US" baseline="0" dirty="0"/>
-              <a:t>Amdocs Managed Services wins Pipeline Innovation award for innovations in Managed Services.</a:t>
-            </a:r>
-          </a:p>
-          <a:p>
-            <a:pPr marL="171450" indent="-171450">
-              <a:buFont typeface="Arial" panose="020B0604020202020204" pitchFamily="34" charset="0"/>
-              <a:buChar char="•"/>
-            </a:pPr>
-            <a:r>
-              <a:rPr lang="en-US" baseline="0" dirty="0"/>
-              <a:t>Gartner recognizes Amdocs as a leader in integrated revenue and customer management</a:t>
-            </a:r>
-          </a:p>
-          <a:p>
-            <a:pPr marL="171450" indent="-171450">
-              <a:buFont typeface="Arial" panose="020B0604020202020204" pitchFamily="34" charset="0"/>
-              <a:buChar char="•"/>
-            </a:pPr>
-            <a:endParaRPr lang="en-US" baseline="0" dirty="0"/>
-          </a:p>
-          <a:p>
-            <a:pPr marL="0" indent="0">
-              <a:buFont typeface="Arial" panose="020B0604020202020204" pitchFamily="34" charset="0"/>
-              <a:buNone/>
-            </a:pPr>
-            <a:r>
-              <a:rPr lang="en-US" baseline="0" dirty="0"/>
-              <a:t>A comprehensive list of our awards can be found on Amdocs.com @ http://www.amdocs.com/About/Pages/amdocs-awards.aspx</a:t>
-            </a:r>
-            <a:endParaRPr lang="en-US" dirty="0"/>
-          </a:p>
-          <a:p>
             <a:endParaRPr lang="en-GB" baseline="0" dirty="0"/>
           </a:p>
         </p:txBody>
@@ -905,87 +824,6 @@
         <p:txBody>
           <a:bodyPr/>
           <a:lstStyle/>
-          <a:p>
-            <a:r>
-              <a:rPr lang="en-US" baseline="0" dirty="0"/>
-              <a:t>Amdocs, a global company with r</a:t>
-            </a:r>
-            <a:r>
-              <a:rPr lang="en-US" dirty="0"/>
-              <a:t>evenue</a:t>
-            </a:r>
-            <a:r>
-              <a:rPr lang="en-US" baseline="0" dirty="0"/>
-              <a:t> of US$3.6b in fiscal year 2015, has more than 24,000 professionals serving more than 300 customers in over 90 countries. Our comprehensive understanding of our customers’ business and the relationships we develop enable us to offer greater value by providing them with best practices, insights and solutions gathered from across the communications industry and different geographies. Evidence to the value we provide to our customers is in the industry-leading project success rate and the awards and recognition received from leading analysts, industry leaders and associations across the globe.</a:t>
-            </a:r>
-          </a:p>
-          <a:p>
-            <a:endParaRPr lang="en-US" baseline="0" dirty="0"/>
-          </a:p>
-          <a:p>
-            <a:r>
-              <a:rPr lang="en-US" dirty="0"/>
-              <a:t>Demonstrated Leaderships</a:t>
-            </a:r>
-          </a:p>
-          <a:p>
-            <a:pPr marL="171450" indent="-171450">
-              <a:buFont typeface="Arial" panose="020B0604020202020204" pitchFamily="34" charset="0"/>
-              <a:buChar char="•"/>
-            </a:pPr>
-            <a:r>
-              <a:rPr lang="en-US" baseline="0" dirty="0"/>
-              <a:t>Amdocs was recognized by Leading Lights for its innovative service-centric approach to commercializing virtualized and hybrid services, ensuring a seamless, agile experience that hides complexity from the end customers</a:t>
-            </a:r>
-          </a:p>
-          <a:p>
-            <a:pPr marL="171450" indent="-171450">
-              <a:buFont typeface="Arial" panose="020B0604020202020204" pitchFamily="34" charset="0"/>
-              <a:buChar char="•"/>
-            </a:pPr>
-            <a:r>
-              <a:rPr lang="en-US" baseline="0" dirty="0"/>
-              <a:t>Amdocs ranked in top 3 IT services for telecoms by Ovum</a:t>
-            </a:r>
-          </a:p>
-          <a:p>
-            <a:pPr marL="171450" indent="-171450">
-              <a:buFont typeface="Arial" panose="020B0604020202020204" pitchFamily="34" charset="0"/>
-              <a:buChar char="•"/>
-            </a:pPr>
-            <a:r>
-              <a:rPr lang="en-US" baseline="0" dirty="0"/>
-              <a:t>Amdocs Managed Services wins Pipeline Innovation award for innovations in Managed Services.</a:t>
-            </a:r>
-          </a:p>
-          <a:p>
-            <a:pPr marL="171450" indent="-171450">
-              <a:buFont typeface="Arial" panose="020B0604020202020204" pitchFamily="34" charset="0"/>
-              <a:buChar char="•"/>
-            </a:pPr>
-            <a:r>
-              <a:rPr lang="en-US" baseline="0" dirty="0"/>
-              <a:t>Gartner recognizes Amdocs as a leader in integrated revenue and customer management</a:t>
-            </a:r>
-          </a:p>
-          <a:p>
-            <a:pPr marL="171450" indent="-171450">
-              <a:buFont typeface="Arial" panose="020B0604020202020204" pitchFamily="34" charset="0"/>
-              <a:buChar char="•"/>
-            </a:pPr>
-            <a:endParaRPr lang="en-US" baseline="0" dirty="0"/>
-          </a:p>
-          <a:p>
-            <a:pPr marL="0" indent="0">
-              <a:buFont typeface="Arial" panose="020B0604020202020204" pitchFamily="34" charset="0"/>
-              <a:buNone/>
-            </a:pPr>
-            <a:r>
-              <a:rPr lang="en-US" baseline="0" dirty="0"/>
-              <a:t>A comprehensive list of our awards can be found on Amdocs.com @ http://www.amdocs.com/About/Pages/amdocs-awards.aspx</a:t>
-            </a:r>
-            <a:endParaRPr lang="en-US" dirty="0"/>
-          </a:p>
           <a:p>
             <a:endParaRPr lang="en-GB" baseline="0" dirty="0"/>
           </a:p>
@@ -21317,18 +21155,14 @@
         </p:nvSpPr>
         <p:spPr>
           <a:xfrm>
-            <a:off x="549132" y="895043"/>
-            <a:ext cx="11090561" cy="1846531"/>
+            <a:off x="549131" y="2268453"/>
+            <a:ext cx="11090561" cy="697017"/>
           </a:xfrm>
         </p:spPr>
         <p:txBody>
           <a:bodyPr/>
           <a:lstStyle/>
           <a:p>
-            <a:r>
-              <a:rPr lang="en-US" sz="8000" dirty="0" err="1"/>
-              <a:t>Buger</a:t>
-            </a:r>
             <a:br>
               <a:rPr lang="en-US" dirty="0"/>
             </a:br>
@@ -21368,7 +21202,7 @@
       </p:sp>
       <p:pic>
         <p:nvPicPr>
-          <p:cNvPr id="4" name="Picture 3"/>
+          <p:cNvPr id="6" name="Picture 5"/>
           <p:cNvPicPr>
             <a:picLocks noChangeAspect="1"/>
           </p:cNvPicPr>
@@ -21382,8 +21216,8 @@
         </p:blipFill>
         <p:spPr>
           <a:xfrm>
-            <a:off x="5687736" y="4873070"/>
-            <a:ext cx="788566" cy="531618"/>
+            <a:off x="4951014" y="717907"/>
+            <a:ext cx="2286796" cy="1439663"/>
           </a:xfrm>
           <a:prstGeom prst="rect">
             <a:avLst/>
@@ -21575,7 +21409,7 @@
       </p:pic>
       <p:pic>
         <p:nvPicPr>
-          <p:cNvPr id="6" name="Picture 5"/>
+          <p:cNvPr id="3" name="Picture 2"/>
           <p:cNvPicPr>
             <a:picLocks noChangeAspect="1"/>
           </p:cNvPicPr>
@@ -21588,9 +21422,9 @@
           </a:stretch>
         </p:blipFill>
         <p:spPr>
-          <a:xfrm rot="1246491">
-            <a:off x="6100591" y="1716477"/>
-            <a:ext cx="5019428" cy="3824795"/>
+          <a:xfrm rot="1763256">
+            <a:off x="6557244" y="1924928"/>
+            <a:ext cx="4590210" cy="3191433"/>
           </a:xfrm>
           <a:prstGeom prst="rect">
             <a:avLst/>
@@ -21845,7 +21679,7 @@
                             </p:stCondLst>
                             <p:childTnLst>
                               <p:par>
-                                <p:cTn id="22" presetID="53" presetClass="entr" presetSubtype="16" fill="hold" nodeType="clickEffect">
+                                <p:cTn id="22" presetID="6" presetClass="entr" presetSubtype="16" fill="hold" nodeType="clickEffect">
                                   <p:stCondLst>
                                     <p:cond delay="0"/>
                                   </p:stCondLst>
@@ -21858,7 +21692,7 @@
                                           </p:stCondLst>
                                         </p:cTn>
                                         <p:tgtEl>
-                                          <p:spTgt spid="6"/>
+                                          <p:spTgt spid="3"/>
                                         </p:tgtEl>
                                         <p:attrNameLst>
                                           <p:attrName>style.visibility</p:attrName>
@@ -21868,57 +21702,11 @@
                                         <p:strVal val="visible"/>
                                       </p:to>
                                     </p:set>
-                                    <p:anim calcmode="lin" valueType="num">
+                                    <p:animEffect transition="in" filter="circle(in)">
                                       <p:cBhvr>
-                                        <p:cTn id="24" dur="500" fill="hold"/>
+                                        <p:cTn id="24" dur="2000"/>
                                         <p:tgtEl>
-                                          <p:spTgt spid="6"/>
-                                        </p:tgtEl>
-                                        <p:attrNameLst>
-                                          <p:attrName>ppt_w</p:attrName>
-                                        </p:attrNameLst>
-                                      </p:cBhvr>
-                                      <p:tavLst>
-                                        <p:tav tm="0">
-                                          <p:val>
-                                            <p:fltVal val="0"/>
-                                          </p:val>
-                                        </p:tav>
-                                        <p:tav tm="100000">
-                                          <p:val>
-                                            <p:strVal val="#ppt_w"/>
-                                          </p:val>
-                                        </p:tav>
-                                      </p:tavLst>
-                                    </p:anim>
-                                    <p:anim calcmode="lin" valueType="num">
-                                      <p:cBhvr>
-                                        <p:cTn id="25" dur="500" fill="hold"/>
-                                        <p:tgtEl>
-                                          <p:spTgt spid="6"/>
-                                        </p:tgtEl>
-                                        <p:attrNameLst>
-                                          <p:attrName>ppt_h</p:attrName>
-                                        </p:attrNameLst>
-                                      </p:cBhvr>
-                                      <p:tavLst>
-                                        <p:tav tm="0">
-                                          <p:val>
-                                            <p:fltVal val="0"/>
-                                          </p:val>
-                                        </p:tav>
-                                        <p:tav tm="100000">
-                                          <p:val>
-                                            <p:strVal val="#ppt_h"/>
-                                          </p:val>
-                                        </p:tav>
-                                      </p:tavLst>
-                                    </p:anim>
-                                    <p:animEffect transition="in" filter="fade">
-                                      <p:cBhvr>
-                                        <p:cTn id="26" dur="500"/>
-                                        <p:tgtEl>
-                                          <p:spTgt spid="6"/>
+                                          <p:spTgt spid="3"/>
                                         </p:tgtEl>
                                       </p:cBhvr>
                                     </p:animEffect>
@@ -21994,7 +21782,7 @@
           <a:p>
             <a:r>
               <a:rPr lang="en-US" dirty="0"/>
-              <a:t>Our Product provides:</a:t>
+              <a:t>Our Product Provides:</a:t>
             </a:r>
           </a:p>
         </p:txBody>
@@ -22055,7 +21843,7 @@
                   <a:schemeClr val="accent1"/>
                 </a:solidFill>
               </a:rPr>
-              <a:t>Managing your defects </a:t>
+              <a:t>Manage your defects </a:t>
             </a:r>
           </a:p>
           <a:p>
@@ -22079,19 +21867,7 @@
                   <a:schemeClr val="accent2"/>
                 </a:solidFill>
               </a:rPr>
-              <a:t> </a:t>
-            </a:r>
-            <a:r>
-              <a:rPr lang="en-US" sz="1800" dirty="0"/>
-              <a:t> </a:t>
-            </a:r>
-            <a:r>
-              <a:rPr lang="en-US" sz="2000" b="1" dirty="0">
-                <a:solidFill>
-                  <a:schemeClr val="accent2"/>
-                </a:solidFill>
-              </a:rPr>
-              <a:t>Option to buy/sell defect in order to save time</a:t>
+              <a:t>Trade your defects in a dedicated marketplace</a:t>
             </a:r>
           </a:p>
           <a:p>
@@ -22127,7 +21903,7 @@
                   <a:srgbClr val="F45580"/>
                 </a:solidFill>
               </a:rPr>
-              <a:t>Keeping high productivity</a:t>
+              <a:t>Keep high productivity</a:t>
             </a:r>
           </a:p>
           <a:p>
@@ -22239,7 +22015,7 @@
           <a:p>
             <a:r>
               <a:rPr lang="en-US" dirty="0"/>
-              <a:t>What technologies did we use?</a:t>
+              <a:t>Technologies We Used</a:t>
             </a:r>
           </a:p>
         </p:txBody>
@@ -22318,20 +22094,21 @@
                   <a:schemeClr val="accent2"/>
                 </a:solidFill>
               </a:rPr>
-              <a:t>Design-Pattern </a:t>
+              <a:t>Back-End </a:t>
             </a:r>
             <a:r>
               <a:rPr lang="en-US" sz="1800" dirty="0"/>
-              <a:t>– Redux using </a:t>
+              <a:t>– </a:t>
             </a:r>
             <a:r>
               <a:rPr lang="en-US" sz="1800" dirty="0" err="1"/>
-              <a:t>ngrx</a:t>
+              <a:t>NodeJS</a:t>
             </a:r>
             <a:r>
               <a:rPr lang="en-US" sz="1800" dirty="0"/>
-              <a:t> library for Angular</a:t>
+              <a:t> (JSON-server)</a:t>
             </a:r>
+            <a:endParaRPr lang="en-US" sz="1600" dirty="0"/>
           </a:p>
           <a:p>
             <a:pPr marL="0" indent="0">
@@ -22355,15 +22132,23 @@
                   <a:srgbClr val="F45580"/>
                 </a:solidFill>
               </a:rPr>
-              <a:t>Back-End </a:t>
+              <a:t>Design-Pattern </a:t>
             </a:r>
             <a:r>
               <a:rPr lang="en-US" sz="2000" dirty="0"/>
               <a:t>– </a:t>
             </a:r>
             <a:r>
+              <a:rPr lang="en-US" sz="2000" dirty="0"/>
+              <a:t>Redux using </a:t>
+            </a:r>
+            <a:r>
               <a:rPr lang="en-US" sz="2000" dirty="0" err="1"/>
-              <a:t>NodeJS</a:t>
+              <a:t>ngrx</a:t>
+            </a:r>
+            <a:r>
+              <a:rPr lang="en-US" sz="2000" dirty="0"/>
+              <a:t> library for Angular</a:t>
             </a:r>
             <a:endParaRPr lang="en-US" sz="1800" dirty="0"/>
           </a:p>
@@ -22418,7 +22203,7 @@
         </p:blipFill>
         <p:spPr>
           <a:xfrm>
-            <a:off x="9761209" y="2733679"/>
+            <a:off x="9216903" y="3850776"/>
             <a:ext cx="830480" cy="750570"/>
           </a:xfrm>
           <a:prstGeom prst="rect">
@@ -22442,7 +22227,7 @@
         </p:blipFill>
         <p:spPr>
           <a:xfrm>
-            <a:off x="9761209" y="3816887"/>
+            <a:off x="9770345" y="2676059"/>
             <a:ext cx="812208" cy="883159"/>
           </a:xfrm>
           <a:prstGeom prst="rect">
@@ -22474,6 +22259,54 @@
           </a:prstGeom>
         </p:spPr>
       </p:pic>
+      <p:pic>
+        <p:nvPicPr>
+          <p:cNvPr id="4" name="Picture 3"/>
+          <p:cNvPicPr>
+            <a:picLocks noChangeAspect="1"/>
+          </p:cNvPicPr>
+          <p:nvPr/>
+        </p:nvPicPr>
+        <p:blipFill>
+          <a:blip r:embed="rId7"/>
+          <a:stretch>
+            <a:fillRect/>
+          </a:stretch>
+        </p:blipFill>
+        <p:spPr>
+          <a:xfrm>
+            <a:off x="10328704" y="3816887"/>
+            <a:ext cx="808483" cy="808483"/>
+          </a:xfrm>
+          <a:prstGeom prst="rect">
+            <a:avLst/>
+          </a:prstGeom>
+        </p:spPr>
+      </p:pic>
+      <p:pic>
+        <p:nvPicPr>
+          <p:cNvPr id="13" name="Picture 12"/>
+          <p:cNvPicPr>
+            <a:picLocks noChangeAspect="1"/>
+          </p:cNvPicPr>
+          <p:nvPr/>
+        </p:nvPicPr>
+        <p:blipFill>
+          <a:blip r:embed="rId8"/>
+          <a:stretch>
+            <a:fillRect/>
+          </a:stretch>
+        </p:blipFill>
+        <p:spPr>
+          <a:xfrm>
+            <a:off x="556922" y="1384883"/>
+            <a:ext cx="10717911" cy="4664606"/>
+          </a:xfrm>
+          <a:prstGeom prst="rect">
+            <a:avLst/>
+          </a:prstGeom>
+        </p:spPr>
+      </p:pic>
     </p:spTree>
     <p:extLst>
       <p:ext uri="{BB962C8B-B14F-4D97-AF65-F5344CB8AC3E}">
@@ -22487,6 +22320,89 @@
   <p:transition>
     <p:fade/>
   </p:transition>
+  <p:timing>
+    <p:tnLst>
+      <p:par>
+        <p:cTn id="1" dur="indefinite" restart="never" nodeType="tmRoot">
+          <p:childTnLst>
+            <p:seq concurrent="1" nextAc="seek">
+              <p:cTn id="2" dur="indefinite" nodeType="mainSeq">
+                <p:childTnLst>
+                  <p:par>
+                    <p:cTn id="3" fill="hold">
+                      <p:stCondLst>
+                        <p:cond delay="indefinite"/>
+                      </p:stCondLst>
+                      <p:childTnLst>
+                        <p:par>
+                          <p:cTn id="4" fill="hold">
+                            <p:stCondLst>
+                              <p:cond delay="0"/>
+                            </p:stCondLst>
+                            <p:childTnLst>
+                              <p:par>
+                                <p:cTn id="5" presetID="6" presetClass="entr" presetSubtype="16" fill="hold" nodeType="clickEffect">
+                                  <p:stCondLst>
+                                    <p:cond delay="0"/>
+                                  </p:stCondLst>
+                                  <p:childTnLst>
+                                    <p:set>
+                                      <p:cBhvr>
+                                        <p:cTn id="6" dur="1" fill="hold">
+                                          <p:stCondLst>
+                                            <p:cond delay="0"/>
+                                          </p:stCondLst>
+                                        </p:cTn>
+                                        <p:tgtEl>
+                                          <p:spTgt spid="13"/>
+                                        </p:tgtEl>
+                                        <p:attrNameLst>
+                                          <p:attrName>style.visibility</p:attrName>
+                                        </p:attrNameLst>
+                                      </p:cBhvr>
+                                      <p:to>
+                                        <p:strVal val="visible"/>
+                                      </p:to>
+                                    </p:set>
+                                    <p:animEffect transition="in" filter="circle(in)">
+                                      <p:cBhvr>
+                                        <p:cTn id="7" dur="2000"/>
+                                        <p:tgtEl>
+                                          <p:spTgt spid="13"/>
+                                        </p:tgtEl>
+                                      </p:cBhvr>
+                                    </p:animEffect>
+                                  </p:childTnLst>
+                                </p:cTn>
+                              </p:par>
+                            </p:childTnLst>
+                          </p:cTn>
+                        </p:par>
+                      </p:childTnLst>
+                    </p:cTn>
+                  </p:par>
+                </p:childTnLst>
+              </p:cTn>
+              <p:prevCondLst>
+                <p:cond evt="onPrev" delay="0">
+                  <p:tgtEl>
+                    <p:sldTgt/>
+                  </p:tgtEl>
+                </p:cond>
+              </p:prevCondLst>
+              <p:nextCondLst>
+                <p:cond evt="onNext" delay="0">
+                  <p:tgtEl>
+                    <p:sldTgt/>
+                  </p:tgtEl>
+                </p:cond>
+              </p:nextCondLst>
+            </p:seq>
+          </p:childTnLst>
+        </p:cTn>
+      </p:par>
+    </p:tnLst>
+  </p:timing>
 </p:sld>
 </file>
 
